--- a/Project 84.pptx
+++ b/Project 84.pptx
@@ -5840,6 +5840,25 @@
   <p:clrMapOvr>
     <a:masterClrMapping/>
   </p:clrMapOvr>
+  <mc:AlternateContent xmlns:mc="http://schemas.openxmlformats.org/markup-compatibility/2006">
+    <mc:Choice xmlns:p14="http://schemas.microsoft.com/office/powerpoint/2010/main" Requires="p14">
+      <p:transition p14:dur="100">
+        <p:cut/>
+      </p:transition>
+    </mc:Choice>
+    <mc:Fallback>
+      <p:transition>
+        <p:cut/>
+      </p:transition>
+    </mc:Fallback>
+  </mc:AlternateContent>
+  <p:timing>
+    <p:tnLst>
+      <p:par>
+        <p:cTn id="1" dur="indefinite" restart="never" nodeType="tmRoot"/>
+      </p:par>
+    </p:tnLst>
+  </p:timing>
 </p:sld>
 </file>
 
@@ -5900,6 +5919,25 @@
   <p:clrMapOvr>
     <a:masterClrMapping/>
   </p:clrMapOvr>
+  <mc:AlternateContent xmlns:mc="http://schemas.openxmlformats.org/markup-compatibility/2006">
+    <mc:Choice xmlns:p14="http://schemas.microsoft.com/office/powerpoint/2010/main" Requires="p14">
+      <p:transition p14:dur="400">
+        <p:fade/>
+      </p:transition>
+    </mc:Choice>
+    <mc:Fallback>
+      <p:transition>
+        <p:fade/>
+      </p:transition>
+    </mc:Fallback>
+  </mc:AlternateContent>
+  <p:timing>
+    <p:tnLst>
+      <p:par>
+        <p:cTn id="1" dur="indefinite" restart="never" nodeType="tmRoot"/>
+      </p:par>
+    </p:tnLst>
+  </p:timing>
 </p:sld>
 </file>
 

--- a/Project 84.pptx
+++ b/Project 84.pptx
@@ -6,7 +6,6 @@
   </p:sldMasterIdLst>
   <p:sldIdLst>
     <p:sldId id="256" r:id="rId2"/>
-    <p:sldId id="257" r:id="rId3"/>
   </p:sldIdLst>
   <p:sldSz cx="12192000" cy="6858000"/>
   <p:notesSz cx="6858000" cy="9144000"/>
@@ -5830,6 +5829,71 @@
           <a:chExt cx="0" cy="0"/>
         </a:xfrm>
       </p:grpSpPr>
+      <p:sp>
+        <p:nvSpPr>
+          <p:cNvPr id="2" name="TextovéPole 1"/>
+          <p:cNvSpPr txBox="1"/>
+          <p:nvPr/>
+        </p:nvSpPr>
+        <p:spPr>
+          <a:xfrm>
+            <a:off x="0" y="1107583"/>
+            <a:ext cx="12192000" cy="646331"/>
+          </a:xfrm>
+          <a:prstGeom prst="rect">
+            <a:avLst/>
+          </a:prstGeom>
+          <a:noFill/>
+        </p:spPr>
+        <p:txBody>
+          <a:bodyPr wrap="square" rtlCol="0">
+            <a:spAutoFit/>
+          </a:bodyPr>
+          <a:lstStyle/>
+          <a:p>
+            <a:pPr algn="ctr"/>
+            <a:r>
+              <a:rPr lang="cs-CZ" sz="3600" dirty="0" err="1" smtClean="0">
+                <a:latin typeface="Times New Roman" panose="02020603050405020304" pitchFamily="18" charset="0"/>
+                <a:cs typeface="Times New Roman" panose="02020603050405020304" pitchFamily="18" charset="0"/>
+              </a:rPr>
+              <a:t>Cities</a:t>
+            </a:r>
+            <a:r>
+              <a:rPr lang="cs-CZ" sz="3600" dirty="0" smtClean="0">
+                <a:latin typeface="Times New Roman" panose="02020603050405020304" pitchFamily="18" charset="0"/>
+                <a:cs typeface="Times New Roman" panose="02020603050405020304" pitchFamily="18" charset="0"/>
+              </a:rPr>
+              <a:t> </a:t>
+            </a:r>
+            <a:r>
+              <a:rPr lang="cs-CZ" sz="3600" dirty="0" err="1" smtClean="0">
+                <a:latin typeface="Times New Roman" panose="02020603050405020304" pitchFamily="18" charset="0"/>
+                <a:cs typeface="Times New Roman" panose="02020603050405020304" pitchFamily="18" charset="0"/>
+              </a:rPr>
+              <a:t>of</a:t>
+            </a:r>
+            <a:r>
+              <a:rPr lang="cs-CZ" sz="3600" dirty="0" smtClean="0">
+                <a:latin typeface="Times New Roman" panose="02020603050405020304" pitchFamily="18" charset="0"/>
+                <a:cs typeface="Times New Roman" panose="02020603050405020304" pitchFamily="18" charset="0"/>
+              </a:rPr>
+              <a:t> </a:t>
+            </a:r>
+            <a:r>
+              <a:rPr lang="cs-CZ" sz="3600" dirty="0" err="1" smtClean="0">
+                <a:latin typeface="Times New Roman" panose="02020603050405020304" pitchFamily="18" charset="0"/>
+                <a:cs typeface="Times New Roman" panose="02020603050405020304" pitchFamily="18" charset="0"/>
+              </a:rPr>
+              <a:t>Beacons</a:t>
+            </a:r>
+            <a:endParaRPr lang="cs-CZ" sz="3600" dirty="0">
+              <a:latin typeface="Times New Roman" panose="02020603050405020304" pitchFamily="18" charset="0"/>
+              <a:cs typeface="Times New Roman" panose="02020603050405020304" pitchFamily="18" charset="0"/>
+            </a:endParaRPr>
+          </a:p>
+        </p:txBody>
+      </p:sp>
     </p:spTree>
     <p:extLst>
       <p:ext uri="{BB962C8B-B14F-4D97-AF65-F5344CB8AC3E}">
@@ -5840,94 +5904,15 @@
   <p:clrMapOvr>
     <a:masterClrMapping/>
   </p:clrMapOvr>
-  <mc:AlternateContent xmlns:mc="http://schemas.openxmlformats.org/markup-compatibility/2006">
-    <mc:Choice xmlns:p14="http://schemas.microsoft.com/office/powerpoint/2010/main" Requires="p14">
+  <mc:AlternateContent xmlns:mc="http://schemas.openxmlformats.org/markup-compatibility/2006" xmlns:p14="http://schemas.microsoft.com/office/powerpoint/2010/main">
+    <mc:Choice Requires="p14">
       <p:transition p14:dur="100">
         <p:cut/>
       </p:transition>
     </mc:Choice>
-    <mc:Fallback>
+    <mc:Fallback xmlns="">
       <p:transition>
         <p:cut/>
-      </p:transition>
-    </mc:Fallback>
-  </mc:AlternateContent>
-  <p:timing>
-    <p:tnLst>
-      <p:par>
-        <p:cTn id="1" dur="indefinite" restart="never" nodeType="tmRoot"/>
-      </p:par>
-    </p:tnLst>
-  </p:timing>
-</p:sld>
-</file>
-
-<file path=ppt/slides/slide2.xml><?xml version="1.0" encoding="utf-8"?>
-<p:sld xmlns:a="http://schemas.openxmlformats.org/drawingml/2006/main" xmlns:r="http://schemas.openxmlformats.org/officeDocument/2006/relationships" xmlns:p="http://schemas.openxmlformats.org/presentationml/2006/main">
-  <p:cSld>
-    <p:spTree>
-      <p:nvGrpSpPr>
-        <p:cNvPr id="1" name=""/>
-        <p:cNvGrpSpPr/>
-        <p:nvPr/>
-      </p:nvGrpSpPr>
-      <p:grpSpPr>
-        <a:xfrm>
-          <a:off x="0" y="0"/>
-          <a:ext cx="0" cy="0"/>
-          <a:chOff x="0" y="0"/>
-          <a:chExt cx="0" cy="0"/>
-        </a:xfrm>
-      </p:grpSpPr>
-      <p:pic>
-        <p:nvPicPr>
-          <p:cNvPr id="2" name="Obrázek 1"/>
-          <p:cNvPicPr>
-            <a:picLocks noChangeAspect="1"/>
-          </p:cNvPicPr>
-          <p:nvPr/>
-        </p:nvPicPr>
-        <p:blipFill>
-          <a:blip r:embed="rId2">
-            <a:extLst>
-              <a:ext uri="{28A0092B-C50C-407E-A947-70E740481C1C}">
-                <a14:useLocalDpi xmlns:a14="http://schemas.microsoft.com/office/drawing/2010/main" val="0"/>
-              </a:ext>
-            </a:extLst>
-          </a:blip>
-          <a:stretch>
-            <a:fillRect/>
-          </a:stretch>
-        </p:blipFill>
-        <p:spPr>
-          <a:xfrm>
-            <a:off x="575667" y="0"/>
-            <a:ext cx="11139840" cy="6858000"/>
-          </a:xfrm>
-          <a:prstGeom prst="rect">
-            <a:avLst/>
-          </a:prstGeom>
-        </p:spPr>
-      </p:pic>
-    </p:spTree>
-    <p:extLst>
-      <p:ext uri="{BB962C8B-B14F-4D97-AF65-F5344CB8AC3E}">
-        <p14:creationId xmlns:p14="http://schemas.microsoft.com/office/powerpoint/2010/main" val="4237393266"/>
-      </p:ext>
-    </p:extLst>
-  </p:cSld>
-  <p:clrMapOvr>
-    <a:masterClrMapping/>
-  </p:clrMapOvr>
-  <mc:AlternateContent xmlns:mc="http://schemas.openxmlformats.org/markup-compatibility/2006">
-    <mc:Choice xmlns:p14="http://schemas.microsoft.com/office/powerpoint/2010/main" Requires="p14">
-      <p:transition p14:dur="400">
-        <p:fade/>
-      </p:transition>
-    </mc:Choice>
-    <mc:Fallback>
-      <p:transition>
-        <p:fade/>
       </p:transition>
     </mc:Fallback>
   </mc:AlternateContent>

--- a/Project 84.pptx
+++ b/Project 84.pptx
@@ -5837,7 +5837,7 @@
         </p:nvSpPr>
         <p:spPr>
           <a:xfrm>
-            <a:off x="0" y="1107583"/>
+            <a:off x="0" y="631065"/>
             <a:ext cx="12192000" cy="646331"/>
           </a:xfrm>
           <a:prstGeom prst="rect">
@@ -5853,11 +5853,18 @@
           <a:p>
             <a:pPr algn="ctr"/>
             <a:r>
+              <a:rPr lang="cs-CZ" sz="3600" dirty="0" smtClean="0">
+                <a:latin typeface="Times New Roman" panose="02020603050405020304" pitchFamily="18" charset="0"/>
+                <a:cs typeface="Times New Roman" panose="02020603050405020304" pitchFamily="18" charset="0"/>
+              </a:rPr>
+              <a:t>City </a:t>
+            </a:r>
+            <a:r>
               <a:rPr lang="cs-CZ" sz="3600" dirty="0" err="1" smtClean="0">
                 <a:latin typeface="Times New Roman" panose="02020603050405020304" pitchFamily="18" charset="0"/>
                 <a:cs typeface="Times New Roman" panose="02020603050405020304" pitchFamily="18" charset="0"/>
               </a:rPr>
-              <a:t>Cities</a:t>
+              <a:t>of</a:t>
             </a:r>
             <a:r>
               <a:rPr lang="cs-CZ" sz="3600" dirty="0" smtClean="0">
@@ -5871,20 +5878,6 @@
                 <a:latin typeface="Times New Roman" panose="02020603050405020304" pitchFamily="18" charset="0"/>
                 <a:cs typeface="Times New Roman" panose="02020603050405020304" pitchFamily="18" charset="0"/>
               </a:rPr>
-              <a:t>of</a:t>
-            </a:r>
-            <a:r>
-              <a:rPr lang="cs-CZ" sz="3600" dirty="0" smtClean="0">
-                <a:latin typeface="Times New Roman" panose="02020603050405020304" pitchFamily="18" charset="0"/>
-                <a:cs typeface="Times New Roman" panose="02020603050405020304" pitchFamily="18" charset="0"/>
-              </a:rPr>
-              <a:t> </a:t>
-            </a:r>
-            <a:r>
-              <a:rPr lang="cs-CZ" sz="3600" dirty="0" err="1" smtClean="0">
-                <a:latin typeface="Times New Roman" panose="02020603050405020304" pitchFamily="18" charset="0"/>
-                <a:cs typeface="Times New Roman" panose="02020603050405020304" pitchFamily="18" charset="0"/>
-              </a:rPr>
               <a:t>Beacons</a:t>
             </a:r>
             <a:endParaRPr lang="cs-CZ" sz="3600" dirty="0">
@@ -5894,6 +5887,36 @@
           </a:p>
         </p:txBody>
       </p:sp>
+      <p:pic>
+        <p:nvPicPr>
+          <p:cNvPr id="3" name="Obrázek 2"/>
+          <p:cNvPicPr>
+            <a:picLocks noChangeAspect="1"/>
+          </p:cNvPicPr>
+          <p:nvPr/>
+        </p:nvPicPr>
+        <p:blipFill>
+          <a:blip r:embed="rId2" cstate="print">
+            <a:extLst>
+              <a:ext uri="{28A0092B-C50C-407E-A947-70E740481C1C}">
+                <a14:useLocalDpi xmlns:a14="http://schemas.microsoft.com/office/drawing/2010/main" val="0"/>
+              </a:ext>
+            </a:extLst>
+          </a:blip>
+          <a:stretch>
+            <a:fillRect/>
+          </a:stretch>
+        </p:blipFill>
+        <p:spPr>
+          <a:xfrm>
+            <a:off x="3417729" y="1277396"/>
+            <a:ext cx="5356542" cy="5260494"/>
+          </a:xfrm>
+          <a:prstGeom prst="rect">
+            <a:avLst/>
+          </a:prstGeom>
+        </p:spPr>
+      </p:pic>
     </p:spTree>
     <p:extLst>
       <p:ext uri="{BB962C8B-B14F-4D97-AF65-F5344CB8AC3E}">

--- a/Project 84.pptx
+++ b/Project 84.pptx
@@ -834,7 +834,7 @@
           <a:p>
             <a:fld id="{DF01E148-52A1-40F7-88C9-3360CA32E967}" type="datetimeFigureOut">
               <a:rPr lang="cs-CZ" smtClean="0"/>
-              <a:t>02.12.2016</a:t>
+              <a:t>03.12.2016</a:t>
             </a:fld>
             <a:endParaRPr lang="cs-CZ"/>
           </a:p>
@@ -1085,7 +1085,7 @@
           <a:p>
             <a:fld id="{DF01E148-52A1-40F7-88C9-3360CA32E967}" type="datetimeFigureOut">
               <a:rPr lang="cs-CZ" smtClean="0"/>
-              <a:t>02.12.2016</a:t>
+              <a:t>03.12.2016</a:t>
             </a:fld>
             <a:endParaRPr lang="cs-CZ"/>
           </a:p>
@@ -1399,7 +1399,7 @@
           <a:p>
             <a:fld id="{DF01E148-52A1-40F7-88C9-3360CA32E967}" type="datetimeFigureOut">
               <a:rPr lang="cs-CZ" smtClean="0"/>
-              <a:t>02.12.2016</a:t>
+              <a:t>03.12.2016</a:t>
             </a:fld>
             <a:endParaRPr lang="cs-CZ"/>
           </a:p>
@@ -1740,7 +1740,7 @@
           <a:p>
             <a:fld id="{DF01E148-52A1-40F7-88C9-3360CA32E967}" type="datetimeFigureOut">
               <a:rPr lang="cs-CZ" smtClean="0"/>
-              <a:t>02.12.2016</a:t>
+              <a:t>03.12.2016</a:t>
             </a:fld>
             <a:endParaRPr lang="cs-CZ"/>
           </a:p>
@@ -2054,7 +2054,7 @@
           <a:p>
             <a:fld id="{DF01E148-52A1-40F7-88C9-3360CA32E967}" type="datetimeFigureOut">
               <a:rPr lang="cs-CZ" smtClean="0"/>
-              <a:t>02.12.2016</a:t>
+              <a:t>03.12.2016</a:t>
             </a:fld>
             <a:endParaRPr lang="cs-CZ"/>
           </a:p>
@@ -2447,7 +2447,7 @@
           <a:p>
             <a:fld id="{DF01E148-52A1-40F7-88C9-3360CA32E967}" type="datetimeFigureOut">
               <a:rPr lang="cs-CZ" smtClean="0"/>
-              <a:t>02.12.2016</a:t>
+              <a:t>03.12.2016</a:t>
             </a:fld>
             <a:endParaRPr lang="cs-CZ"/>
           </a:p>
@@ -2617,7 +2617,7 @@
           <a:p>
             <a:fld id="{DF01E148-52A1-40F7-88C9-3360CA32E967}" type="datetimeFigureOut">
               <a:rPr lang="cs-CZ" smtClean="0"/>
-              <a:t>02.12.2016</a:t>
+              <a:t>03.12.2016</a:t>
             </a:fld>
             <a:endParaRPr lang="cs-CZ"/>
           </a:p>
@@ -2797,7 +2797,7 @@
           <a:p>
             <a:fld id="{DF01E148-52A1-40F7-88C9-3360CA32E967}" type="datetimeFigureOut">
               <a:rPr lang="cs-CZ" smtClean="0"/>
-              <a:t>02.12.2016</a:t>
+              <a:t>03.12.2016</a:t>
             </a:fld>
             <a:endParaRPr lang="cs-CZ"/>
           </a:p>
@@ -2973,7 +2973,7 @@
           <a:p>
             <a:fld id="{DF01E148-52A1-40F7-88C9-3360CA32E967}" type="datetimeFigureOut">
               <a:rPr lang="cs-CZ" smtClean="0"/>
-              <a:t>02.12.2016</a:t>
+              <a:t>03.12.2016</a:t>
             </a:fld>
             <a:endParaRPr lang="cs-CZ"/>
           </a:p>
@@ -3220,7 +3220,7 @@
           <a:p>
             <a:fld id="{DF01E148-52A1-40F7-88C9-3360CA32E967}" type="datetimeFigureOut">
               <a:rPr lang="cs-CZ" smtClean="0"/>
-              <a:t>02.12.2016</a:t>
+              <a:t>03.12.2016</a:t>
             </a:fld>
             <a:endParaRPr lang="cs-CZ"/>
           </a:p>
@@ -3452,7 +3452,7 @@
           <a:p>
             <a:fld id="{DF01E148-52A1-40F7-88C9-3360CA32E967}" type="datetimeFigureOut">
               <a:rPr lang="cs-CZ" smtClean="0"/>
-              <a:t>02.12.2016</a:t>
+              <a:t>03.12.2016</a:t>
             </a:fld>
             <a:endParaRPr lang="cs-CZ"/>
           </a:p>
@@ -3826,7 +3826,7 @@
           <a:p>
             <a:fld id="{DF01E148-52A1-40F7-88C9-3360CA32E967}" type="datetimeFigureOut">
               <a:rPr lang="cs-CZ" smtClean="0"/>
-              <a:t>02.12.2016</a:t>
+              <a:t>03.12.2016</a:t>
             </a:fld>
             <a:endParaRPr lang="cs-CZ"/>
           </a:p>
@@ -3949,7 +3949,7 @@
           <a:p>
             <a:fld id="{DF01E148-52A1-40F7-88C9-3360CA32E967}" type="datetimeFigureOut">
               <a:rPr lang="cs-CZ" smtClean="0"/>
-              <a:t>02.12.2016</a:t>
+              <a:t>03.12.2016</a:t>
             </a:fld>
             <a:endParaRPr lang="cs-CZ"/>
           </a:p>
@@ -4044,7 +4044,7 @@
           <a:p>
             <a:fld id="{DF01E148-52A1-40F7-88C9-3360CA32E967}" type="datetimeFigureOut">
               <a:rPr lang="cs-CZ" smtClean="0"/>
-              <a:t>02.12.2016</a:t>
+              <a:t>03.12.2016</a:t>
             </a:fld>
             <a:endParaRPr lang="cs-CZ"/>
           </a:p>
@@ -4299,7 +4299,7 @@
           <a:p>
             <a:fld id="{DF01E148-52A1-40F7-88C9-3360CA32E967}" type="datetimeFigureOut">
               <a:rPr lang="cs-CZ" smtClean="0"/>
-              <a:t>02.12.2016</a:t>
+              <a:t>03.12.2016</a:t>
             </a:fld>
             <a:endParaRPr lang="cs-CZ"/>
           </a:p>
@@ -4562,7 +4562,7 @@
           <a:p>
             <a:fld id="{DF01E148-52A1-40F7-88C9-3360CA32E967}" type="datetimeFigureOut">
               <a:rPr lang="cs-CZ" smtClean="0"/>
-              <a:t>02.12.2016</a:t>
+              <a:t>03.12.2016</a:t>
             </a:fld>
             <a:endParaRPr lang="cs-CZ"/>
           </a:p>
@@ -5305,7 +5305,7 @@
           <a:p>
             <a:fld id="{DF01E148-52A1-40F7-88C9-3360CA32E967}" type="datetimeFigureOut">
               <a:rPr lang="cs-CZ" smtClean="0"/>
-              <a:t>02.12.2016</a:t>
+              <a:t>03.12.2016</a:t>
             </a:fld>
             <a:endParaRPr lang="cs-CZ"/>
           </a:p>
@@ -5837,7 +5837,7 @@
         </p:nvSpPr>
         <p:spPr>
           <a:xfrm>
-            <a:off x="0" y="631065"/>
+            <a:off x="0" y="244699"/>
             <a:ext cx="12192000" cy="646331"/>
           </a:xfrm>
           <a:prstGeom prst="rect">
@@ -5909,14 +5909,103 @@
         </p:blipFill>
         <p:spPr>
           <a:xfrm>
-            <a:off x="3417729" y="1277396"/>
-            <a:ext cx="5356542" cy="5260494"/>
+            <a:off x="4012036" y="891030"/>
+            <a:ext cx="4167927" cy="4093192"/>
           </a:xfrm>
           <a:prstGeom prst="rect">
             <a:avLst/>
           </a:prstGeom>
         </p:spPr>
       </p:pic>
+      <p:sp>
+        <p:nvSpPr>
+          <p:cNvPr id="4" name="TextovéPole 3"/>
+          <p:cNvSpPr txBox="1"/>
+          <p:nvPr/>
+        </p:nvSpPr>
+        <p:spPr>
+          <a:xfrm>
+            <a:off x="0" y="5630553"/>
+            <a:ext cx="9465971" cy="646331"/>
+          </a:xfrm>
+          <a:prstGeom prst="rect">
+            <a:avLst/>
+          </a:prstGeom>
+          <a:noFill/>
+        </p:spPr>
+        <p:txBody>
+          <a:bodyPr wrap="square" rtlCol="0">
+            <a:spAutoFit/>
+          </a:bodyPr>
+          <a:lstStyle/>
+          <a:p>
+            <a:pPr algn="r"/>
+            <a:r>
+              <a:rPr lang="cs-CZ" dirty="0" smtClean="0"/>
+              <a:t>Skupina 1: Jakub Smejkal, Alexandra Rakušanová, Marian Dolinský</a:t>
+            </a:r>
+          </a:p>
+          <a:p>
+            <a:pPr algn="r"/>
+            <a:r>
+              <a:rPr lang="cs-CZ" dirty="0" smtClean="0"/>
+              <a:t>David </a:t>
+            </a:r>
+            <a:r>
+              <a:rPr lang="cs-CZ" dirty="0" err="1" smtClean="0"/>
+              <a:t>Knieradl</a:t>
+            </a:r>
+            <a:r>
+              <a:rPr lang="cs-CZ" dirty="0" smtClean="0"/>
+              <a:t>, Jan </a:t>
+            </a:r>
+            <a:r>
+              <a:rPr lang="cs-CZ" dirty="0" err="1" smtClean="0"/>
+              <a:t>Gryndler</a:t>
+            </a:r>
+            <a:r>
+              <a:rPr lang="cs-CZ" dirty="0" smtClean="0"/>
+              <a:t>, Vojtěch Habiger</a:t>
+            </a:r>
+            <a:endParaRPr lang="cs-CZ" dirty="0"/>
+          </a:p>
+        </p:txBody>
+      </p:sp>
+      <p:sp>
+        <p:nvSpPr>
+          <p:cNvPr id="5" name="TextovéPole 4"/>
+          <p:cNvSpPr txBox="1"/>
+          <p:nvPr/>
+        </p:nvSpPr>
+        <p:spPr>
+          <a:xfrm>
+            <a:off x="-1" y="6276884"/>
+            <a:ext cx="9465971" cy="369332"/>
+          </a:xfrm>
+          <a:prstGeom prst="rect">
+            <a:avLst/>
+          </a:prstGeom>
+          <a:noFill/>
+        </p:spPr>
+        <p:txBody>
+          <a:bodyPr wrap="square" rtlCol="0">
+            <a:spAutoFit/>
+          </a:bodyPr>
+          <a:lstStyle/>
+          <a:p>
+            <a:pPr algn="r"/>
+            <a:r>
+              <a:rPr lang="cs-CZ" dirty="0" smtClean="0"/>
+              <a:t>Téma: Smart </a:t>
+            </a:r>
+            <a:r>
+              <a:rPr lang="cs-CZ" dirty="0" err="1" smtClean="0"/>
+              <a:t>Cities</a:t>
+            </a:r>
+            <a:endParaRPr lang="cs-CZ" dirty="0"/>
+          </a:p>
+        </p:txBody>
+      </p:sp>
     </p:spTree>
     <p:extLst>
       <p:ext uri="{BB962C8B-B14F-4D97-AF65-F5344CB8AC3E}">

--- a/Project 84.pptx
+++ b/Project 84.pptx
@@ -6,6 +6,7 @@
   </p:sldMasterIdLst>
   <p:sldIdLst>
     <p:sldId id="256" r:id="rId2"/>
+    <p:sldId id="257" r:id="rId3"/>
   </p:sldIdLst>
   <p:sldSz cx="12192000" cy="6858000"/>
   <p:notesSz cx="6858000" cy="9144000"/>
@@ -6038,6 +6039,91 @@
 </p:sld>
 </file>
 
+<file path=ppt/slides/slide2.xml><?xml version="1.0" encoding="utf-8"?>
+<p:sld xmlns:a="http://schemas.openxmlformats.org/drawingml/2006/main" xmlns:r="http://schemas.openxmlformats.org/officeDocument/2006/relationships" xmlns:p="http://schemas.openxmlformats.org/presentationml/2006/main">
+  <p:cSld>
+    <p:spTree>
+      <p:nvGrpSpPr>
+        <p:cNvPr id="1" name=""/>
+        <p:cNvGrpSpPr/>
+        <p:nvPr/>
+      </p:nvGrpSpPr>
+      <p:grpSpPr>
+        <a:xfrm>
+          <a:off x="0" y="0"/>
+          <a:ext cx="0" cy="0"/>
+          <a:chOff x="0" y="0"/>
+          <a:chExt cx="0" cy="0"/>
+        </a:xfrm>
+      </p:grpSpPr>
+      <p:sp>
+        <p:nvSpPr>
+          <p:cNvPr id="4" name="Nadpis 3"/>
+          <p:cNvSpPr>
+            <a:spLocks noGrp="1"/>
+          </p:cNvSpPr>
+          <p:nvPr>
+            <p:ph type="ctrTitle"/>
+          </p:nvPr>
+        </p:nvSpPr>
+        <p:spPr>
+          <a:xfrm>
+            <a:off x="1713129" y="2404531"/>
+            <a:ext cx="7766936" cy="1646302"/>
+          </a:xfrm>
+        </p:spPr>
+        <p:txBody>
+          <a:bodyPr/>
+          <a:lstStyle/>
+          <a:p>
+            <a:pPr algn="ctr"/>
+            <a:r>
+              <a:rPr lang="cs-CZ" dirty="0" smtClean="0"/>
+              <a:t>Dotazy</a:t>
+            </a:r>
+            <a:endParaRPr lang="cs-CZ" dirty="0"/>
+          </a:p>
+        </p:txBody>
+      </p:sp>
+      <p:sp>
+        <p:nvSpPr>
+          <p:cNvPr id="5" name="Podnadpis 4"/>
+          <p:cNvSpPr>
+            <a:spLocks noGrp="1"/>
+          </p:cNvSpPr>
+          <p:nvPr>
+            <p:ph type="subTitle" idx="1"/>
+          </p:nvPr>
+        </p:nvSpPr>
+        <p:spPr/>
+        <p:txBody>
+          <a:bodyPr/>
+          <a:lstStyle/>
+          <a:p>
+            <a:endParaRPr lang="cs-CZ"/>
+          </a:p>
+        </p:txBody>
+      </p:sp>
+    </p:spTree>
+    <p:extLst>
+      <p:ext uri="{BB962C8B-B14F-4D97-AF65-F5344CB8AC3E}">
+        <p14:creationId xmlns:p14="http://schemas.microsoft.com/office/powerpoint/2010/main" val="3853104770"/>
+      </p:ext>
+    </p:extLst>
+  </p:cSld>
+  <p:clrMapOvr>
+    <a:masterClrMapping/>
+  </p:clrMapOvr>
+  <p:timing>
+    <p:tnLst>
+      <p:par>
+        <p:cTn id="1" dur="indefinite" restart="never" nodeType="tmRoot"/>
+      </p:par>
+    </p:tnLst>
+  </p:timing>
+</p:sld>
+</file>
+
 <file path=ppt/theme/theme1.xml><?xml version="1.0" encoding="utf-8"?>
 <a:theme xmlns:a="http://schemas.openxmlformats.org/drawingml/2006/main" name="Faseta">
   <a:themeElements>
